--- a/black-chat/doc/reports/pdr/BlackChatPres.pptx
+++ b/black-chat/doc/reports/pdr/BlackChatPres.pptx
@@ -19489,7 +19489,7 @@
       </p:sp>
       <p:pic>
         <p:nvPicPr>
-          <p:cNvPr id="4" name="Picture 3"/>
+          <p:cNvPr id="3" name="Picture 2"/>
           <p:cNvPicPr>
             <a:picLocks noChangeAspect="1"/>
           </p:cNvPicPr>
@@ -19503,13 +19503,13 @@
               </a:ext>
             </a:extLst>
           </a:blip>
-          <a:srcRect l="26682" t="21296" r="24587" b="26667"/>
+          <a:srcRect l="27397" t="21381" r="24678" b="27688"/>
           <a:stretch/>
         </p:blipFill>
         <p:spPr>
           <a:xfrm>
-            <a:off x="2895600" y="1866901"/>
-            <a:ext cx="6483782" cy="4897694"/>
+            <a:off x="2895600" y="1857375"/>
+            <a:ext cx="6512403" cy="4895849"/>
           </a:xfrm>
           <a:prstGeom prst="rect">
             <a:avLst/>
